--- a/docs/poster/thumbnail_poster.pptx
+++ b/docs/poster/thumbnail_poster.pptx
@@ -254,7 +254,7 @@
           <a:p>
             <a:fld id="{B755E5F9-7D56-6345-BE9B-0F24C1EC7319}" type="datetimeFigureOut">
               <a:rPr lang="en-US" smtClean="0"/>
-              <a:t>7/9/21</a:t>
+              <a:t>7/12/21</a:t>
             </a:fld>
             <a:endParaRPr lang="en-US"/>
           </a:p>
@@ -424,7 +424,7 @@
           <a:p>
             <a:fld id="{B755E5F9-7D56-6345-BE9B-0F24C1EC7319}" type="datetimeFigureOut">
               <a:rPr lang="en-US" smtClean="0"/>
-              <a:t>7/9/21</a:t>
+              <a:t>7/12/21</a:t>
             </a:fld>
             <a:endParaRPr lang="en-US"/>
           </a:p>
@@ -604,7 +604,7 @@
           <a:p>
             <a:fld id="{B755E5F9-7D56-6345-BE9B-0F24C1EC7319}" type="datetimeFigureOut">
               <a:rPr lang="en-US" smtClean="0"/>
-              <a:t>7/9/21</a:t>
+              <a:t>7/12/21</a:t>
             </a:fld>
             <a:endParaRPr lang="en-US"/>
           </a:p>
@@ -774,7 +774,7 @@
           <a:p>
             <a:fld id="{B755E5F9-7D56-6345-BE9B-0F24C1EC7319}" type="datetimeFigureOut">
               <a:rPr lang="en-US" smtClean="0"/>
-              <a:t>7/9/21</a:t>
+              <a:t>7/12/21</a:t>
             </a:fld>
             <a:endParaRPr lang="en-US"/>
           </a:p>
@@ -1018,7 +1018,7 @@
           <a:p>
             <a:fld id="{B755E5F9-7D56-6345-BE9B-0F24C1EC7319}" type="datetimeFigureOut">
               <a:rPr lang="en-US" smtClean="0"/>
-              <a:t>7/9/21</a:t>
+              <a:t>7/12/21</a:t>
             </a:fld>
             <a:endParaRPr lang="en-US"/>
           </a:p>
@@ -1250,7 +1250,7 @@
           <a:p>
             <a:fld id="{B755E5F9-7D56-6345-BE9B-0F24C1EC7319}" type="datetimeFigureOut">
               <a:rPr lang="en-US" smtClean="0"/>
-              <a:t>7/9/21</a:t>
+              <a:t>7/12/21</a:t>
             </a:fld>
             <a:endParaRPr lang="en-US"/>
           </a:p>
@@ -1617,7 +1617,7 @@
           <a:p>
             <a:fld id="{B755E5F9-7D56-6345-BE9B-0F24C1EC7319}" type="datetimeFigureOut">
               <a:rPr lang="en-US" smtClean="0"/>
-              <a:t>7/9/21</a:t>
+              <a:t>7/12/21</a:t>
             </a:fld>
             <a:endParaRPr lang="en-US"/>
           </a:p>
@@ -1735,7 +1735,7 @@
           <a:p>
             <a:fld id="{B755E5F9-7D56-6345-BE9B-0F24C1EC7319}" type="datetimeFigureOut">
               <a:rPr lang="en-US" smtClean="0"/>
-              <a:t>7/9/21</a:t>
+              <a:t>7/12/21</a:t>
             </a:fld>
             <a:endParaRPr lang="en-US"/>
           </a:p>
@@ -1830,7 +1830,7 @@
           <a:p>
             <a:fld id="{B755E5F9-7D56-6345-BE9B-0F24C1EC7319}" type="datetimeFigureOut">
               <a:rPr lang="en-US" smtClean="0"/>
-              <a:t>7/9/21</a:t>
+              <a:t>7/12/21</a:t>
             </a:fld>
             <a:endParaRPr lang="en-US"/>
           </a:p>
@@ -2107,7 +2107,7 @@
           <a:p>
             <a:fld id="{B755E5F9-7D56-6345-BE9B-0F24C1EC7319}" type="datetimeFigureOut">
               <a:rPr lang="en-US" smtClean="0"/>
-              <a:t>7/9/21</a:t>
+              <a:t>7/12/21</a:t>
             </a:fld>
             <a:endParaRPr lang="en-US"/>
           </a:p>
@@ -2364,7 +2364,7 @@
           <a:p>
             <a:fld id="{B755E5F9-7D56-6345-BE9B-0F24C1EC7319}" type="datetimeFigureOut">
               <a:rPr lang="en-US" smtClean="0"/>
-              <a:t>7/9/21</a:t>
+              <a:t>7/12/21</a:t>
             </a:fld>
             <a:endParaRPr lang="en-US"/>
           </a:p>
@@ -2577,7 +2577,7 @@
           <a:p>
             <a:fld id="{B755E5F9-7D56-6345-BE9B-0F24C1EC7319}" type="datetimeFigureOut">
               <a:rPr lang="en-US" smtClean="0"/>
-              <a:t>7/9/21</a:t>
+              <a:t>7/12/21</a:t>
             </a:fld>
             <a:endParaRPr lang="en-US"/>
           </a:p>
